--- a/src/devops-mindset-essentials/devops-technology.pptx
+++ b/src/devops-mindset-essentials/devops-technology.pptx
@@ -139,14 +139,6 @@
 </p:cmAuthorLst>
 </file>
 
-<file path=ppt/revisionInfo.xml><?xml version="1.0" encoding="utf-8"?>
-<p1510:revInfo xmlns:a="http://schemas.openxmlformats.org/drawingml/2006/main" xmlns:r="http://schemas.openxmlformats.org/officeDocument/2006/relationships" xmlns:p1510="http://schemas.microsoft.com/office/powerpoint/2015/10/main">
-  <p1510:revLst>
-    <p1510:client id="{11859E01-6B02-4D83-942B-6538A795CFF3}" v="618" dt="2018-07-24T15:57:25.582"/>
-  </p1510:revLst>
-</p1510:revInfo>
-</file>
-
 <file path=ppt/handoutMasters/handoutMaster1.xml><?xml version="1.0" encoding="utf-8"?>
 <p:handoutMaster xmlns:a="http://schemas.openxmlformats.org/drawingml/2006/main" xmlns:r="http://schemas.openxmlformats.org/officeDocument/2006/relationships" xmlns:p="http://schemas.openxmlformats.org/presentationml/2006/main">
   <p:cSld>
@@ -233,7 +225,7 @@
               <a:rPr lang="en-US" smtClean="0">
                 <a:latin typeface="Segoe UI" pitchFamily="34" charset="0"/>
               </a:rPr>
-              <a:t>9/4/2018 1:13 PM</a:t>
+              <a:t>11/8/2018 1:24 PM</a:t>
             </a:fld>
             <a:endParaRPr lang="en-US" dirty="0">
               <a:latin typeface="Segoe UI" pitchFamily="34" charset="0"/>
@@ -411,7 +403,7 @@
           <a:p>
             <a:fld id="{D18B56EA-E28F-4F92-9F16-7A6F2501B303}" type="datetime8">
               <a:rPr lang="en-US" smtClean="0"/>
-              <a:t>9/4/2018 1:13 PM</a:t>
+              <a:t>11/8/2018 1:24 PM</a:t>
             </a:fld>
             <a:endParaRPr lang="en-US" dirty="0"/>
           </a:p>
@@ -740,7 +732,7 @@
           <a:p>
             <a:fld id="{D18B56EA-E28F-4F92-9F16-7A6F2501B303}" type="datetime8">
               <a:rPr lang="en-US" smtClean="0"/>
-              <a:t>9/4/2018 1:13 PM</a:t>
+              <a:t>11/8/2018 1:24 PM</a:t>
             </a:fld>
             <a:endParaRPr lang="en-US" dirty="0"/>
           </a:p>
